--- a/docs/Praesentation_Prototyp/Prototyp_Präsentation_Simon.pptx
+++ b/docs/Praesentation_Prototyp/Prototyp_Präsentation_Simon.pptx
@@ -5,7 +5,7 @@
     <p:sldMasterId id="2147483660" r:id="rId1"/>
   </p:sldMasterIdLst>
   <p:notesMasterIdLst>
-    <p:notesMasterId r:id="rId18"/>
+    <p:notesMasterId r:id="rId19"/>
   </p:notesMasterIdLst>
   <p:sldIdLst>
     <p:sldId id="256" r:id="rId2"/>
@@ -13,34 +13,35 @@
     <p:sldId id="261" r:id="rId4"/>
     <p:sldId id="259" r:id="rId5"/>
     <p:sldId id="290" r:id="rId6"/>
-    <p:sldId id="296" r:id="rId7"/>
-    <p:sldId id="260" r:id="rId8"/>
-    <p:sldId id="286" r:id="rId9"/>
-    <p:sldId id="292" r:id="rId10"/>
-    <p:sldId id="293" r:id="rId11"/>
-    <p:sldId id="295" r:id="rId12"/>
-    <p:sldId id="262" r:id="rId13"/>
-    <p:sldId id="294" r:id="rId14"/>
-    <p:sldId id="288" r:id="rId15"/>
-    <p:sldId id="289" r:id="rId16"/>
-    <p:sldId id="282" r:id="rId17"/>
+    <p:sldId id="297" r:id="rId7"/>
+    <p:sldId id="296" r:id="rId8"/>
+    <p:sldId id="260" r:id="rId9"/>
+    <p:sldId id="286" r:id="rId10"/>
+    <p:sldId id="292" r:id="rId11"/>
+    <p:sldId id="293" r:id="rId12"/>
+    <p:sldId id="295" r:id="rId13"/>
+    <p:sldId id="262" r:id="rId14"/>
+    <p:sldId id="294" r:id="rId15"/>
+    <p:sldId id="288" r:id="rId16"/>
+    <p:sldId id="289" r:id="rId17"/>
+    <p:sldId id="282" r:id="rId18"/>
   </p:sldIdLst>
   <p:sldSz cx="9144000" cy="5143500" type="screen16x9"/>
   <p:notesSz cx="6858000" cy="9144000"/>
   <p:embeddedFontLst>
     <p:embeddedFont>
       <p:font typeface="Poppins" pitchFamily="2" charset="77"/>
-      <p:regular r:id="rId19"/>
-      <p:bold r:id="rId20"/>
-      <p:italic r:id="rId21"/>
-      <p:boldItalic r:id="rId22"/>
+      <p:regular r:id="rId20"/>
+      <p:bold r:id="rId21"/>
+      <p:italic r:id="rId22"/>
+      <p:boldItalic r:id="rId23"/>
     </p:embeddedFont>
     <p:embeddedFont>
       <p:font typeface="Poppins Light" pitchFamily="2" charset="77"/>
-      <p:regular r:id="rId23"/>
-      <p:bold r:id="rId24"/>
-      <p:italic r:id="rId25"/>
-      <p:boldItalic r:id="rId26"/>
+      <p:regular r:id="rId24"/>
+      <p:bold r:id="rId25"/>
+      <p:italic r:id="rId26"/>
+      <p:boldItalic r:id="rId27"/>
     </p:embeddedFont>
   </p:embeddedFontLst>
   <p:defaultTextStyle>
@@ -9500,6 +9501,127 @@
       </p:grpSpPr>
       <p:sp>
         <p:nvSpPr>
+          <p:cNvPr id="2" name="Title 1">
+            <a:extLst>
+              <a:ext uri="{FF2B5EF4-FFF2-40B4-BE49-F238E27FC236}">
+                <a16:creationId xmlns:a16="http://schemas.microsoft.com/office/drawing/2014/main" id="{B94B0667-0BB5-416B-9DF3-70F98FE6168C}"/>
+              </a:ext>
+            </a:extLst>
+          </p:cNvPr>
+          <p:cNvSpPr>
+            <a:spLocks noGrp="1"/>
+          </p:cNvSpPr>
+          <p:nvPr>
+            <p:ph type="title"/>
+          </p:nvPr>
+        </p:nvSpPr>
+        <p:spPr/>
+        <p:txBody>
+          <a:bodyPr/>
+          <a:lstStyle/>
+          <a:p>
+            <a:endParaRPr lang="en-DE"/>
+          </a:p>
+        </p:txBody>
+      </p:sp>
+      <p:sp>
+        <p:nvSpPr>
+          <p:cNvPr id="3" name="Text Placeholder 2">
+            <a:extLst>
+              <a:ext uri="{FF2B5EF4-FFF2-40B4-BE49-F238E27FC236}">
+                <a16:creationId xmlns:a16="http://schemas.microsoft.com/office/drawing/2014/main" id="{51701602-80CD-42C6-8A06-79DC9E729894}"/>
+              </a:ext>
+            </a:extLst>
+          </p:cNvPr>
+          <p:cNvSpPr>
+            <a:spLocks noGrp="1"/>
+          </p:cNvSpPr>
+          <p:nvPr>
+            <p:ph type="body" idx="1"/>
+          </p:nvPr>
+        </p:nvSpPr>
+        <p:spPr/>
+        <p:txBody>
+          <a:bodyPr/>
+          <a:lstStyle/>
+          <a:p>
+            <a:endParaRPr lang="en-DE"/>
+          </a:p>
+        </p:txBody>
+      </p:sp>
+      <p:sp>
+        <p:nvSpPr>
+          <p:cNvPr id="4" name="Slide Number Placeholder 3">
+            <a:extLst>
+              <a:ext uri="{FF2B5EF4-FFF2-40B4-BE49-F238E27FC236}">
+                <a16:creationId xmlns:a16="http://schemas.microsoft.com/office/drawing/2014/main" id="{42581076-4232-46C9-8D6A-6C816E942F65}"/>
+              </a:ext>
+            </a:extLst>
+          </p:cNvPr>
+          <p:cNvSpPr>
+            <a:spLocks noGrp="1"/>
+          </p:cNvSpPr>
+          <p:nvPr>
+            <p:ph type="sldNum" idx="12"/>
+          </p:nvPr>
+        </p:nvSpPr>
+        <p:spPr/>
+        <p:txBody>
+          <a:bodyPr/>
+          <a:lstStyle/>
+          <a:p>
+            <a:pPr marL="0" lvl="0" indent="0" algn="ctr" rtl="0">
+              <a:spcBef>
+                <a:spcPts val="0"/>
+              </a:spcBef>
+              <a:spcAft>
+                <a:spcPts val="0"/>
+              </a:spcAft>
+              <a:buNone/>
+            </a:pPr>
+            <a:fld id="{00000000-1234-1234-1234-123412341234}" type="slidenum">
+              <a:rPr lang="en" smtClean="0"/>
+              <a:t>10</a:t>
+            </a:fld>
+            <a:endParaRPr lang="en"/>
+          </a:p>
+        </p:txBody>
+      </p:sp>
+    </p:spTree>
+    <p:extLst>
+      <p:ext uri="{BB962C8B-B14F-4D97-AF65-F5344CB8AC3E}">
+        <p14:creationId xmlns:p14="http://schemas.microsoft.com/office/powerpoint/2010/main" val="383329481"/>
+      </p:ext>
+    </p:extLst>
+  </p:cSld>
+  <p:clrMapOvr>
+    <a:masterClrMapping/>
+  </p:clrMapOvr>
+  <p:transition advTm="219">
+    <p:fade thruBlk="1"/>
+  </p:transition>
+</p:sld>
+</file>
+
+<file path=ppt/slides/slide11.xml><?xml version="1.0" encoding="utf-8"?>
+<p:sld xmlns:a="http://schemas.openxmlformats.org/drawingml/2006/main" xmlns:r="http://schemas.openxmlformats.org/officeDocument/2006/relationships" xmlns:p="http://schemas.openxmlformats.org/presentationml/2006/main">
+  <p:cSld>
+    <p:spTree>
+      <p:nvGrpSpPr>
+        <p:cNvPr id="1" name=""/>
+        <p:cNvGrpSpPr/>
+        <p:nvPr/>
+      </p:nvGrpSpPr>
+      <p:grpSpPr>
+        <a:xfrm>
+          <a:off x="0" y="0"/>
+          <a:ext cx="0" cy="0"/>
+          <a:chOff x="0" y="0"/>
+          <a:chExt cx="0" cy="0"/>
+        </a:xfrm>
+      </p:grpSpPr>
+      <p:sp>
+        <p:nvSpPr>
           <p:cNvPr id="7" name="Heart 6">
             <a:extLst>
               <a:ext uri="{FF2B5EF4-FFF2-40B4-BE49-F238E27FC236}">
@@ -9611,7 +9733,7 @@
             </a:pPr>
             <a:fld id="{00000000-1234-1234-1234-123412341234}" type="slidenum">
               <a:rPr lang="en" smtClean="0"/>
-              <a:t>10</a:t>
+              <a:t>11</a:t>
             </a:fld>
             <a:endParaRPr lang="en"/>
           </a:p>
@@ -10030,7 +10152,7 @@
 </p:sld>
 </file>
 
-<file path=ppt/slides/slide11.xml><?xml version="1.0" encoding="utf-8"?>
+<file path=ppt/slides/slide12.xml><?xml version="1.0" encoding="utf-8"?>
 <p:sld xmlns:a="http://schemas.openxmlformats.org/drawingml/2006/main" xmlns:r="http://schemas.openxmlformats.org/officeDocument/2006/relationships" xmlns:p="http://schemas.openxmlformats.org/presentationml/2006/main">
   <p:cSld>
     <p:spTree>
@@ -10183,7 +10305,7 @@
 </p:sld>
 </file>
 
-<file path=ppt/slides/slide12.xml><?xml version="1.0" encoding="utf-8"?>
+<file path=ppt/slides/slide13.xml><?xml version="1.0" encoding="utf-8"?>
 <p:sld xmlns:a="http://schemas.openxmlformats.org/drawingml/2006/main" xmlns:r="http://schemas.openxmlformats.org/officeDocument/2006/relationships" xmlns:p="http://schemas.openxmlformats.org/presentationml/2006/main">
   <p:cSld>
     <p:spTree>
@@ -10325,7 +10447,7 @@
             </a:pPr>
             <a:fld id="{00000000-1234-1234-1234-123412341234}" type="slidenum">
               <a:rPr lang="de-DE" smtClean="0"/>
-              <a:t>12</a:t>
+              <a:t>13</a:t>
             </a:fld>
             <a:endParaRPr lang="de-DE"/>
           </a:p>
@@ -11801,7 +11923,7 @@
 </p:sld>
 </file>
 
-<file path=ppt/slides/slide13.xml><?xml version="1.0" encoding="utf-8"?>
+<file path=ppt/slides/slide14.xml><?xml version="1.0" encoding="utf-8"?>
 <p:sld xmlns:a="http://schemas.openxmlformats.org/drawingml/2006/main" xmlns:r="http://schemas.openxmlformats.org/officeDocument/2006/relationships" xmlns:p="http://schemas.openxmlformats.org/presentationml/2006/main">
   <p:cSld>
     <p:spTree>
@@ -11850,7 +11972,7 @@
             </a:pPr>
             <a:fld id="{00000000-1234-1234-1234-123412341234}" type="slidenum">
               <a:rPr lang="en" smtClean="0"/>
-              <a:t>13</a:t>
+              <a:t>14</a:t>
             </a:fld>
             <a:endParaRPr lang="en"/>
           </a:p>
@@ -12416,7 +12538,7 @@
 </p:sld>
 </file>
 
-<file path=ppt/slides/slide14.xml><?xml version="1.0" encoding="utf-8"?>
+<file path=ppt/slides/slide15.xml><?xml version="1.0" encoding="utf-8"?>
 <p:sld xmlns:a="http://schemas.openxmlformats.org/drawingml/2006/main" xmlns:r="http://schemas.openxmlformats.org/officeDocument/2006/relationships" xmlns:p="http://schemas.openxmlformats.org/presentationml/2006/main">
   <p:cSld>
     <p:spTree>
@@ -12587,7 +12709,7 @@
 </p:sld>
 </file>
 
-<file path=ppt/slides/slide15.xml><?xml version="1.0" encoding="utf-8"?>
+<file path=ppt/slides/slide16.xml><?xml version="1.0" encoding="utf-8"?>
 <p:sld xmlns:a="http://schemas.openxmlformats.org/drawingml/2006/main" xmlns:r="http://schemas.openxmlformats.org/officeDocument/2006/relationships" xmlns:p="http://schemas.openxmlformats.org/presentationml/2006/main">
   <p:cSld>
     <p:spTree>
@@ -12636,7 +12758,7 @@
             </a:pPr>
             <a:fld id="{00000000-1234-1234-1234-123412341234}" type="slidenum">
               <a:rPr lang="en" smtClean="0"/>
-              <a:t>15</a:t>
+              <a:t>16</a:t>
             </a:fld>
             <a:endParaRPr lang="en"/>
           </a:p>
@@ -13830,7 +13952,7 @@
 </p:sld>
 </file>
 
-<file path=ppt/slides/slide16.xml><?xml version="1.0" encoding="utf-8"?>
+<file path=ppt/slides/slide17.xml><?xml version="1.0" encoding="utf-8"?>
 <p:sld xmlns:a="http://schemas.openxmlformats.org/drawingml/2006/main" xmlns:r="http://schemas.openxmlformats.org/officeDocument/2006/relationships" xmlns:p="http://schemas.openxmlformats.org/presentationml/2006/main">
   <p:cSld>
     <p:spTree>
@@ -14134,7 +14256,7 @@
             </a:pPr>
             <a:fld id="{00000000-1234-1234-1234-123412341234}" type="slidenum">
               <a:rPr lang="de-DE" smtClean="0"/>
-              <a:t>16</a:t>
+              <a:t>17</a:t>
             </a:fld>
             <a:endParaRPr lang="de-DE"/>
           </a:p>
@@ -15040,6 +15162,36 @@
           </a:p>
         </p:txBody>
       </p:sp>
+      <p:pic>
+        <p:nvPicPr>
+          <p:cNvPr id="3" name="Grafik 2">
+            <a:extLst>
+              <a:ext uri="{FF2B5EF4-FFF2-40B4-BE49-F238E27FC236}">
+                <a16:creationId xmlns:a16="http://schemas.microsoft.com/office/drawing/2014/main" id="{80648D35-D647-7147-95C1-19ED5769027B}"/>
+              </a:ext>
+            </a:extLst>
+          </p:cNvPr>
+          <p:cNvPicPr>
+            <a:picLocks noChangeAspect="1"/>
+          </p:cNvPicPr>
+          <p:nvPr/>
+        </p:nvPicPr>
+        <p:blipFill>
+          <a:blip r:embed="rId3"/>
+          <a:stretch>
+            <a:fillRect/>
+          </a:stretch>
+        </p:blipFill>
+        <p:spPr>
+          <a:xfrm>
+            <a:off x="0" y="0"/>
+            <a:ext cx="9144000" cy="5143500"/>
+          </a:xfrm>
+          <a:prstGeom prst="rect">
+            <a:avLst/>
+          </a:prstGeom>
+        </p:spPr>
+      </p:pic>
     </p:spTree>
   </p:cSld>
   <p:clrMapOvr>
@@ -16944,6 +17096,104 @@
       </p:grpSpPr>
       <p:sp>
         <p:nvSpPr>
+          <p:cNvPr id="2" name="Foliennummernplatzhalter 1">
+            <a:extLst>
+              <a:ext uri="{FF2B5EF4-FFF2-40B4-BE49-F238E27FC236}">
+                <a16:creationId xmlns:a16="http://schemas.microsoft.com/office/drawing/2014/main" id="{1234C3C1-6EBF-5F49-A0F1-D5764152576D}"/>
+              </a:ext>
+            </a:extLst>
+          </p:cNvPr>
+          <p:cNvSpPr>
+            <a:spLocks noGrp="1"/>
+          </p:cNvSpPr>
+          <p:nvPr>
+            <p:ph type="sldNum" idx="12"/>
+          </p:nvPr>
+        </p:nvSpPr>
+        <p:spPr/>
+        <p:txBody>
+          <a:bodyPr/>
+          <a:lstStyle/>
+          <a:p>
+            <a:pPr marL="0" lvl="0" indent="0" algn="ctr" rtl="0">
+              <a:spcBef>
+                <a:spcPts val="0"/>
+              </a:spcBef>
+              <a:spcAft>
+                <a:spcPts val="0"/>
+              </a:spcAft>
+              <a:buNone/>
+            </a:pPr>
+            <a:fld id="{00000000-1234-1234-1234-123412341234}" type="slidenum">
+              <a:rPr lang="de-DE" smtClean="0"/>
+              <a:t>6</a:t>
+            </a:fld>
+            <a:endParaRPr lang="de-DE"/>
+          </a:p>
+        </p:txBody>
+      </p:sp>
+      <p:pic>
+        <p:nvPicPr>
+          <p:cNvPr id="8" name="Grafik 7" descr="Ein Bild, das Screenshot enthält.&#10;&#10;&#10;&#10;Automatisch generierte Beschreibung">
+            <a:extLst>
+              <a:ext uri="{FF2B5EF4-FFF2-40B4-BE49-F238E27FC236}">
+                <a16:creationId xmlns:a16="http://schemas.microsoft.com/office/drawing/2014/main" id="{5B331933-35A2-6C48-BF00-F4832FD17263}"/>
+              </a:ext>
+            </a:extLst>
+          </p:cNvPr>
+          <p:cNvPicPr>
+            <a:picLocks noChangeAspect="1"/>
+          </p:cNvPicPr>
+          <p:nvPr/>
+        </p:nvPicPr>
+        <p:blipFill>
+          <a:blip r:embed="rId2"/>
+          <a:stretch>
+            <a:fillRect/>
+          </a:stretch>
+        </p:blipFill>
+        <p:spPr>
+          <a:xfrm>
+            <a:off x="1203357" y="477981"/>
+            <a:ext cx="6737286" cy="3948545"/>
+          </a:xfrm>
+          <a:prstGeom prst="rect">
+            <a:avLst/>
+          </a:prstGeom>
+        </p:spPr>
+      </p:pic>
+    </p:spTree>
+    <p:extLst>
+      <p:ext uri="{BB962C8B-B14F-4D97-AF65-F5344CB8AC3E}">
+        <p14:creationId xmlns:p14="http://schemas.microsoft.com/office/powerpoint/2010/main" val="2911696520"/>
+      </p:ext>
+    </p:extLst>
+  </p:cSld>
+  <p:clrMapOvr>
+    <a:masterClrMapping/>
+  </p:clrMapOvr>
+</p:sld>
+</file>
+
+<file path=ppt/slides/slide7.xml><?xml version="1.0" encoding="utf-8"?>
+<p:sld xmlns:a="http://schemas.openxmlformats.org/drawingml/2006/main" xmlns:r="http://schemas.openxmlformats.org/officeDocument/2006/relationships" xmlns:p="http://schemas.openxmlformats.org/presentationml/2006/main">
+  <p:cSld>
+    <p:spTree>
+      <p:nvGrpSpPr>
+        <p:cNvPr id="1" name=""/>
+        <p:cNvGrpSpPr/>
+        <p:nvPr/>
+      </p:nvGrpSpPr>
+      <p:grpSpPr>
+        <a:xfrm>
+          <a:off x="0" y="0"/>
+          <a:ext cx="0" cy="0"/>
+          <a:chOff x="0" y="0"/>
+          <a:chExt cx="0" cy="0"/>
+        </a:xfrm>
+      </p:grpSpPr>
+      <p:sp>
+        <p:nvSpPr>
           <p:cNvPr id="2" name="Title 1">
             <a:extLst>
               <a:ext uri="{FF2B5EF4-FFF2-40B4-BE49-F238E27FC236}">
@@ -17108,7 +17358,7 @@
             </a:pPr>
             <a:fld id="{00000000-1234-1234-1234-123412341234}" type="slidenum">
               <a:rPr lang="en" smtClean="0"/>
-              <a:t>6</a:t>
+              <a:t>7</a:t>
             </a:fld>
             <a:endParaRPr lang="en"/>
           </a:p>
@@ -17768,7 +18018,7 @@
 </p:sld>
 </file>
 
-<file path=ppt/slides/slide7.xml><?xml version="1.0" encoding="utf-8"?>
+<file path=ppt/slides/slide8.xml><?xml version="1.0" encoding="utf-8"?>
 <p:sld xmlns:a="http://schemas.openxmlformats.org/drawingml/2006/main" xmlns:r="http://schemas.openxmlformats.org/officeDocument/2006/relationships" xmlns:p="http://schemas.openxmlformats.org/presentationml/2006/main">
   <p:cSld>
     <p:spTree>
@@ -17945,7 +18195,7 @@
             </a:pPr>
             <a:fld id="{00000000-1234-1234-1234-123412341234}" type="slidenum">
               <a:rPr lang="de-DE" smtClean="0"/>
-              <a:t>7</a:t>
+              <a:t>8</a:t>
             </a:fld>
             <a:endParaRPr lang="de-DE"/>
           </a:p>
@@ -17962,7 +18212,7 @@
 </p:sld>
 </file>
 
-<file path=ppt/slides/slide8.xml><?xml version="1.0" encoding="utf-8"?>
+<file path=ppt/slides/slide9.xml><?xml version="1.0" encoding="utf-8"?>
 <p:sld xmlns:a="http://schemas.openxmlformats.org/drawingml/2006/main" xmlns:r="http://schemas.openxmlformats.org/officeDocument/2006/relationships" xmlns:p="http://schemas.openxmlformats.org/presentationml/2006/main">
   <p:cSld>
     <p:spTree>
@@ -18319,127 +18569,6 @@
     <a:masterClrMapping/>
   </p:clrMapOvr>
   <p:transition advTm="188">
-    <p:fade thruBlk="1"/>
-  </p:transition>
-</p:sld>
-</file>
-
-<file path=ppt/slides/slide9.xml><?xml version="1.0" encoding="utf-8"?>
-<p:sld xmlns:a="http://schemas.openxmlformats.org/drawingml/2006/main" xmlns:r="http://schemas.openxmlformats.org/officeDocument/2006/relationships" xmlns:p="http://schemas.openxmlformats.org/presentationml/2006/main">
-  <p:cSld>
-    <p:spTree>
-      <p:nvGrpSpPr>
-        <p:cNvPr id="1" name=""/>
-        <p:cNvGrpSpPr/>
-        <p:nvPr/>
-      </p:nvGrpSpPr>
-      <p:grpSpPr>
-        <a:xfrm>
-          <a:off x="0" y="0"/>
-          <a:ext cx="0" cy="0"/>
-          <a:chOff x="0" y="0"/>
-          <a:chExt cx="0" cy="0"/>
-        </a:xfrm>
-      </p:grpSpPr>
-      <p:sp>
-        <p:nvSpPr>
-          <p:cNvPr id="2" name="Title 1">
-            <a:extLst>
-              <a:ext uri="{FF2B5EF4-FFF2-40B4-BE49-F238E27FC236}">
-                <a16:creationId xmlns:a16="http://schemas.microsoft.com/office/drawing/2014/main" id="{B94B0667-0BB5-416B-9DF3-70F98FE6168C}"/>
-              </a:ext>
-            </a:extLst>
-          </p:cNvPr>
-          <p:cNvSpPr>
-            <a:spLocks noGrp="1"/>
-          </p:cNvSpPr>
-          <p:nvPr>
-            <p:ph type="title"/>
-          </p:nvPr>
-        </p:nvSpPr>
-        <p:spPr/>
-        <p:txBody>
-          <a:bodyPr/>
-          <a:lstStyle/>
-          <a:p>
-            <a:endParaRPr lang="en-DE"/>
-          </a:p>
-        </p:txBody>
-      </p:sp>
-      <p:sp>
-        <p:nvSpPr>
-          <p:cNvPr id="3" name="Text Placeholder 2">
-            <a:extLst>
-              <a:ext uri="{FF2B5EF4-FFF2-40B4-BE49-F238E27FC236}">
-                <a16:creationId xmlns:a16="http://schemas.microsoft.com/office/drawing/2014/main" id="{51701602-80CD-42C6-8A06-79DC9E729894}"/>
-              </a:ext>
-            </a:extLst>
-          </p:cNvPr>
-          <p:cNvSpPr>
-            <a:spLocks noGrp="1"/>
-          </p:cNvSpPr>
-          <p:nvPr>
-            <p:ph type="body" idx="1"/>
-          </p:nvPr>
-        </p:nvSpPr>
-        <p:spPr/>
-        <p:txBody>
-          <a:bodyPr/>
-          <a:lstStyle/>
-          <a:p>
-            <a:endParaRPr lang="en-DE"/>
-          </a:p>
-        </p:txBody>
-      </p:sp>
-      <p:sp>
-        <p:nvSpPr>
-          <p:cNvPr id="4" name="Slide Number Placeholder 3">
-            <a:extLst>
-              <a:ext uri="{FF2B5EF4-FFF2-40B4-BE49-F238E27FC236}">
-                <a16:creationId xmlns:a16="http://schemas.microsoft.com/office/drawing/2014/main" id="{42581076-4232-46C9-8D6A-6C816E942F65}"/>
-              </a:ext>
-            </a:extLst>
-          </p:cNvPr>
-          <p:cNvSpPr>
-            <a:spLocks noGrp="1"/>
-          </p:cNvSpPr>
-          <p:nvPr>
-            <p:ph type="sldNum" idx="12"/>
-          </p:nvPr>
-        </p:nvSpPr>
-        <p:spPr/>
-        <p:txBody>
-          <a:bodyPr/>
-          <a:lstStyle/>
-          <a:p>
-            <a:pPr marL="0" lvl="0" indent="0" algn="ctr" rtl="0">
-              <a:spcBef>
-                <a:spcPts val="0"/>
-              </a:spcBef>
-              <a:spcAft>
-                <a:spcPts val="0"/>
-              </a:spcAft>
-              <a:buNone/>
-            </a:pPr>
-            <a:fld id="{00000000-1234-1234-1234-123412341234}" type="slidenum">
-              <a:rPr lang="en" smtClean="0"/>
-              <a:t>9</a:t>
-            </a:fld>
-            <a:endParaRPr lang="en"/>
-          </a:p>
-        </p:txBody>
-      </p:sp>
-    </p:spTree>
-    <p:extLst>
-      <p:ext uri="{BB962C8B-B14F-4D97-AF65-F5344CB8AC3E}">
-        <p14:creationId xmlns:p14="http://schemas.microsoft.com/office/powerpoint/2010/main" val="383329481"/>
-      </p:ext>
-    </p:extLst>
-  </p:cSld>
-  <p:clrMapOvr>
-    <a:masterClrMapping/>
-  </p:clrMapOvr>
-  <p:transition advTm="219">
     <p:fade thruBlk="1"/>
   </p:transition>
 </p:sld>
